--- a/documents/07発表/UserLike-ヤザワスイッチ.pptx
+++ b/documents/07発表/UserLike-ヤザワスイッチ.pptx
@@ -118,6 +118,8 @@
 <p1510:revInfo xmlns:a="http://schemas.openxmlformats.org/drawingml/2006/main" xmlns:r="http://schemas.openxmlformats.org/officeDocument/2006/relationships" xmlns:p1510="http://schemas.microsoft.com/office/powerpoint/2015/10/main">
   <p1510:revLst>
     <p1510:client id="{23A37B82-B30B-84C3-65F4-158FE3D6C75F}" v="19" dt="2021-06-09T07:56:03.076"/>
+    <p1510:client id="{782BD8B9-C0D4-ADF7-6263-CC59E36E37EA}" v="15" dt="2021-06-18T00:31:11.336"/>
+    <p1510:client id="{F6B97296-19DC-4D01-26F5-A8F3F950B201}" v="78" dt="2021-06-18T00:37:34.557"/>
   </p1510:revLst>
 </p1510:revInfo>
 </file>
@@ -163,6 +165,54 @@
       </pc:sldChg>
     </pc:docChg>
   </pc:docChgLst>
+  <pc:docChgLst>
+    <pc:chgData name="川原　里美" userId="S::kawahara-s@seplus2016.onmicrosoft.com::51cca5e7-7dce-4bf1-a04e-65dee41fd1ab" providerId="AD" clId="Web-{782BD8B9-C0D4-ADF7-6263-CC59E36E37EA}"/>
+    <pc:docChg chg="modSld">
+      <pc:chgData name="川原　里美" userId="S::kawahara-s@seplus2016.onmicrosoft.com::51cca5e7-7dce-4bf1-a04e-65dee41fd1ab" providerId="AD" clId="Web-{782BD8B9-C0D4-ADF7-6263-CC59E36E37EA}" dt="2021-06-18T00:31:07.820" v="6" actId="20577"/>
+      <pc:docMkLst>
+        <pc:docMk/>
+      </pc:docMkLst>
+      <pc:sldChg chg="modSp">
+        <pc:chgData name="川原　里美" userId="S::kawahara-s@seplus2016.onmicrosoft.com::51cca5e7-7dce-4bf1-a04e-65dee41fd1ab" providerId="AD" clId="Web-{782BD8B9-C0D4-ADF7-6263-CC59E36E37EA}" dt="2021-06-18T00:31:07.820" v="6" actId="20577"/>
+        <pc:sldMkLst>
+          <pc:docMk/>
+          <pc:sldMk cId="1229134082" sldId="257"/>
+        </pc:sldMkLst>
+        <pc:spChg chg="mod">
+          <ac:chgData name="川原　里美" userId="S::kawahara-s@seplus2016.onmicrosoft.com::51cca5e7-7dce-4bf1-a04e-65dee41fd1ab" providerId="AD" clId="Web-{782BD8B9-C0D4-ADF7-6263-CC59E36E37EA}" dt="2021-06-18T00:31:07.820" v="6" actId="20577"/>
+          <ac:spMkLst>
+            <pc:docMk/>
+            <pc:sldMk cId="1229134082" sldId="257"/>
+            <ac:spMk id="2" creationId="{8A6A9D07-A72B-4244-ADD9-164A65222F16}"/>
+          </ac:spMkLst>
+        </pc:spChg>
+      </pc:sldChg>
+    </pc:docChg>
+  </pc:docChgLst>
+  <pc:docChgLst>
+    <pc:chgData name="川原　里美" userId="S::kawahara-s@seplus2016.onmicrosoft.com::51cca5e7-7dce-4bf1-a04e-65dee41fd1ab" providerId="AD" clId="Web-{F6B97296-19DC-4D01-26F5-A8F3F950B201}"/>
+    <pc:docChg chg="modSld">
+      <pc:chgData name="川原　里美" userId="S::kawahara-s@seplus2016.onmicrosoft.com::51cca5e7-7dce-4bf1-a04e-65dee41fd1ab" providerId="AD" clId="Web-{F6B97296-19DC-4D01-26F5-A8F3F950B201}" dt="2021-06-18T00:37:34.557" v="38" actId="20577"/>
+      <pc:docMkLst>
+        <pc:docMk/>
+      </pc:docMkLst>
+      <pc:sldChg chg="modSp">
+        <pc:chgData name="川原　里美" userId="S::kawahara-s@seplus2016.onmicrosoft.com::51cca5e7-7dce-4bf1-a04e-65dee41fd1ab" providerId="AD" clId="Web-{F6B97296-19DC-4D01-26F5-A8F3F950B201}" dt="2021-06-18T00:37:34.557" v="38" actId="20577"/>
+        <pc:sldMkLst>
+          <pc:docMk/>
+          <pc:sldMk cId="1229134082" sldId="257"/>
+        </pc:sldMkLst>
+        <pc:spChg chg="mod">
+          <ac:chgData name="川原　里美" userId="S::kawahara-s@seplus2016.onmicrosoft.com::51cca5e7-7dce-4bf1-a04e-65dee41fd1ab" providerId="AD" clId="Web-{F6B97296-19DC-4D01-26F5-A8F3F950B201}" dt="2021-06-18T00:37:34.557" v="38" actId="20577"/>
+          <ac:spMkLst>
+            <pc:docMk/>
+            <pc:sldMk cId="1229134082" sldId="257"/>
+            <ac:spMk id="3" creationId="{10B5CDFE-DD2E-42F9-8FFE-D544CC43231D}"/>
+          </ac:spMkLst>
+        </pc:spChg>
+      </pc:sldChg>
+    </pc:docChg>
+  </pc:docChgLst>
 </pc:chgInfo>
 </file>
 
@@ -313,7 +363,7 @@
           <a:p>
             <a:fld id="{4E478E08-8194-4B18-BA24-1599FACF8601}" type="datetimeFigureOut">
               <a:rPr kumimoji="1" lang="ja-JP" altLang="en-US" smtClean="0"/>
-              <a:t>2021/6/9</a:t>
+              <a:t>2021/6/17</a:t>
             </a:fld>
             <a:endParaRPr kumimoji="1" lang="ja-JP" altLang="en-US"/>
           </a:p>
@@ -543,7 +593,7 @@
           <a:p>
             <a:fld id="{4E478E08-8194-4B18-BA24-1599FACF8601}" type="datetimeFigureOut">
               <a:rPr kumimoji="1" lang="ja-JP" altLang="en-US" smtClean="0"/>
-              <a:t>2021/6/9</a:t>
+              <a:t>2021/6/17</a:t>
             </a:fld>
             <a:endParaRPr kumimoji="1" lang="ja-JP" altLang="en-US"/>
           </a:p>
@@ -783,7 +833,7 @@
           <a:p>
             <a:fld id="{4E478E08-8194-4B18-BA24-1599FACF8601}" type="datetimeFigureOut">
               <a:rPr kumimoji="1" lang="ja-JP" altLang="en-US" smtClean="0"/>
-              <a:t>2021/6/9</a:t>
+              <a:t>2021/6/17</a:t>
             </a:fld>
             <a:endParaRPr kumimoji="1" lang="ja-JP" altLang="en-US"/>
           </a:p>
@@ -1013,7 +1063,7 @@
           <a:p>
             <a:fld id="{4E478E08-8194-4B18-BA24-1599FACF8601}" type="datetimeFigureOut">
               <a:rPr kumimoji="1" lang="ja-JP" altLang="en-US" smtClean="0"/>
-              <a:t>2021/6/9</a:t>
+              <a:t>2021/6/17</a:t>
             </a:fld>
             <a:endParaRPr kumimoji="1" lang="ja-JP" altLang="en-US"/>
           </a:p>
@@ -1288,7 +1338,7 @@
           <a:p>
             <a:fld id="{4E478E08-8194-4B18-BA24-1599FACF8601}" type="datetimeFigureOut">
               <a:rPr kumimoji="1" lang="ja-JP" altLang="en-US" smtClean="0"/>
-              <a:t>2021/6/9</a:t>
+              <a:t>2021/6/17</a:t>
             </a:fld>
             <a:endParaRPr kumimoji="1" lang="ja-JP" altLang="en-US"/>
           </a:p>
@@ -1617,7 +1667,7 @@
           <a:p>
             <a:fld id="{4E478E08-8194-4B18-BA24-1599FACF8601}" type="datetimeFigureOut">
               <a:rPr kumimoji="1" lang="ja-JP" altLang="en-US" smtClean="0"/>
-              <a:t>2021/6/9</a:t>
+              <a:t>2021/6/17</a:t>
             </a:fld>
             <a:endParaRPr kumimoji="1" lang="ja-JP" altLang="en-US"/>
           </a:p>
@@ -2093,7 +2143,7 @@
           <a:p>
             <a:fld id="{4E478E08-8194-4B18-BA24-1599FACF8601}" type="datetimeFigureOut">
               <a:rPr kumimoji="1" lang="ja-JP" altLang="en-US" smtClean="0"/>
-              <a:t>2021/6/9</a:t>
+              <a:t>2021/6/17</a:t>
             </a:fld>
             <a:endParaRPr kumimoji="1" lang="ja-JP" altLang="en-US"/>
           </a:p>
@@ -2234,7 +2284,7 @@
           <a:p>
             <a:fld id="{4E478E08-8194-4B18-BA24-1599FACF8601}" type="datetimeFigureOut">
               <a:rPr kumimoji="1" lang="ja-JP" altLang="en-US" smtClean="0"/>
-              <a:t>2021/6/9</a:t>
+              <a:t>2021/6/17</a:t>
             </a:fld>
             <a:endParaRPr kumimoji="1" lang="ja-JP" altLang="en-US"/>
           </a:p>
@@ -2347,7 +2397,7 @@
           <a:p>
             <a:fld id="{4E478E08-8194-4B18-BA24-1599FACF8601}" type="datetimeFigureOut">
               <a:rPr kumimoji="1" lang="ja-JP" altLang="en-US" smtClean="0"/>
-              <a:t>2021/6/9</a:t>
+              <a:t>2021/6/17</a:t>
             </a:fld>
             <a:endParaRPr kumimoji="1" lang="ja-JP" altLang="en-US"/>
           </a:p>
@@ -2690,7 +2740,7 @@
           <a:p>
             <a:fld id="{4E478E08-8194-4B18-BA24-1599FACF8601}" type="datetimeFigureOut">
               <a:rPr kumimoji="1" lang="ja-JP" altLang="en-US" smtClean="0"/>
-              <a:t>2021/6/9</a:t>
+              <a:t>2021/6/17</a:t>
             </a:fld>
             <a:endParaRPr kumimoji="1" lang="ja-JP" altLang="en-US"/>
           </a:p>
@@ -2978,7 +3028,7 @@
           <a:p>
             <a:fld id="{4E478E08-8194-4B18-BA24-1599FACF8601}" type="datetimeFigureOut">
               <a:rPr kumimoji="1" lang="ja-JP" altLang="en-US" smtClean="0"/>
-              <a:t>2021/6/9</a:t>
+              <a:t>2021/6/17</a:t>
             </a:fld>
             <a:endParaRPr kumimoji="1" lang="ja-JP" altLang="en-US"/>
           </a:p>
@@ -3251,7 +3301,7 @@
           <a:p>
             <a:fld id="{4E478E08-8194-4B18-BA24-1599FACF8601}" type="datetimeFigureOut">
               <a:rPr kumimoji="1" lang="ja-JP" altLang="en-US" smtClean="0"/>
-              <a:t>2021/6/9</a:t>
+              <a:t>2021/6/17</a:t>
             </a:fld>
             <a:endParaRPr kumimoji="1" lang="ja-JP" altLang="en-US"/>
           </a:p>
@@ -3781,9 +3831,11 @@
               <a:rPr lang="ja-JP" altLang="en-US">
                 <a:ea typeface="游ゴシック Light"/>
               </a:rPr>
-              <a:t>目次</a:t>
-            </a:r>
-            <a:endParaRPr kumimoji="1" lang="ja-JP" altLang="en-US"/>
+              <a:t>本日の発表概要</a:t>
+            </a:r>
+            <a:endParaRPr lang="ja-JP" altLang="en-US" dirty="0">
+              <a:ea typeface="游ゴシック Light"/>
+            </a:endParaRPr>
           </a:p>
         </p:txBody>
       </p:sp>
@@ -3805,10 +3857,17 @@
         </p:nvSpPr>
         <p:spPr/>
         <p:txBody>
-          <a:bodyPr/>
-          <a:lstStyle/>
-          <a:p>
-            <a:endParaRPr kumimoji="1" lang="ja-JP" altLang="en-US"/>
+          <a:bodyPr vert="horz" lIns="91440" tIns="45720" rIns="91440" bIns="45720" rtlCol="0" anchor="t">
+            <a:normAutofit/>
+          </a:bodyPr>
+          <a:lstStyle/>
+          <a:p>
+            <a:pPr marL="0" indent="0">
+              <a:buNone/>
+            </a:pPr>
+            <a:endParaRPr lang="ja-JP" altLang="en-US" dirty="0">
+              <a:ea typeface="游ゴシック"/>
+            </a:endParaRPr>
           </a:p>
         </p:txBody>
       </p:sp>
